--- a/TechnicalUseCases_MridulaPrasad.pptx
+++ b/TechnicalUseCases_MridulaPrasad.pptx
@@ -121,6 +121,11 @@
       </a:defRPr>
     </a:lvl9pPr>
   </p:defaultTextStyle>
+  <p:extLst>
+    <p:ext uri="{EFAFB233-063F-42B5-8137-9DF3F51BA10A}">
+      <p15:sldGuideLst xmlns:p15="http://schemas.microsoft.com/office/powerpoint/2012/main"/>
+    </p:ext>
+  </p:extLst>
 </p:presentation>
 </file>
 
@@ -206,7 +211,7 @@
           <a:p>
             <a:fld id="{B286459E-E6D2-4058-BFB1-477EAD99A359}" type="datetimeFigureOut">
               <a:rPr lang="en-GB" smtClean="0"/>
-              <a:t>12/02/2025</a:t>
+              <a:t>13/02/2025</a:t>
             </a:fld>
             <a:endParaRPr lang="en-GB"/>
           </a:p>
@@ -880,7 +885,7 @@
           <a:p>
             <a:fld id="{E5C7E854-9911-4868-97CF-E76A0DF49095}" type="datetimeFigureOut">
               <a:rPr lang="en-GB" smtClean="0"/>
-              <a:t>12/02/2025</a:t>
+              <a:t>13/02/2025</a:t>
             </a:fld>
             <a:endParaRPr lang="en-GB"/>
           </a:p>
@@ -1050,7 +1055,7 @@
           <a:p>
             <a:fld id="{E5C7E854-9911-4868-97CF-E76A0DF49095}" type="datetimeFigureOut">
               <a:rPr lang="en-GB" smtClean="0"/>
-              <a:t>12/02/2025</a:t>
+              <a:t>13/02/2025</a:t>
             </a:fld>
             <a:endParaRPr lang="en-GB"/>
           </a:p>
@@ -1230,7 +1235,7 @@
           <a:p>
             <a:fld id="{E5C7E854-9911-4868-97CF-E76A0DF49095}" type="datetimeFigureOut">
               <a:rPr lang="en-GB" smtClean="0"/>
-              <a:t>12/02/2025</a:t>
+              <a:t>13/02/2025</a:t>
             </a:fld>
             <a:endParaRPr lang="en-GB"/>
           </a:p>
@@ -1400,7 +1405,7 @@
           <a:p>
             <a:fld id="{E5C7E854-9911-4868-97CF-E76A0DF49095}" type="datetimeFigureOut">
               <a:rPr lang="en-GB" smtClean="0"/>
-              <a:t>12/02/2025</a:t>
+              <a:t>13/02/2025</a:t>
             </a:fld>
             <a:endParaRPr lang="en-GB"/>
           </a:p>
@@ -1646,7 +1651,7 @@
           <a:p>
             <a:fld id="{E5C7E854-9911-4868-97CF-E76A0DF49095}" type="datetimeFigureOut">
               <a:rPr lang="en-GB" smtClean="0"/>
-              <a:t>12/02/2025</a:t>
+              <a:t>13/02/2025</a:t>
             </a:fld>
             <a:endParaRPr lang="en-GB"/>
           </a:p>
@@ -1878,7 +1883,7 @@
           <a:p>
             <a:fld id="{E5C7E854-9911-4868-97CF-E76A0DF49095}" type="datetimeFigureOut">
               <a:rPr lang="en-GB" smtClean="0"/>
-              <a:t>12/02/2025</a:t>
+              <a:t>13/02/2025</a:t>
             </a:fld>
             <a:endParaRPr lang="en-GB"/>
           </a:p>
@@ -2245,7 +2250,7 @@
           <a:p>
             <a:fld id="{E5C7E854-9911-4868-97CF-E76A0DF49095}" type="datetimeFigureOut">
               <a:rPr lang="en-GB" smtClean="0"/>
-              <a:t>12/02/2025</a:t>
+              <a:t>13/02/2025</a:t>
             </a:fld>
             <a:endParaRPr lang="en-GB"/>
           </a:p>
@@ -2363,7 +2368,7 @@
           <a:p>
             <a:fld id="{E5C7E854-9911-4868-97CF-E76A0DF49095}" type="datetimeFigureOut">
               <a:rPr lang="en-GB" smtClean="0"/>
-              <a:t>12/02/2025</a:t>
+              <a:t>13/02/2025</a:t>
             </a:fld>
             <a:endParaRPr lang="en-GB"/>
           </a:p>
@@ -2458,7 +2463,7 @@
           <a:p>
             <a:fld id="{E5C7E854-9911-4868-97CF-E76A0DF49095}" type="datetimeFigureOut">
               <a:rPr lang="en-GB" smtClean="0"/>
-              <a:t>12/02/2025</a:t>
+              <a:t>13/02/2025</a:t>
             </a:fld>
             <a:endParaRPr lang="en-GB"/>
           </a:p>
@@ -2735,7 +2740,7 @@
           <a:p>
             <a:fld id="{E5C7E854-9911-4868-97CF-E76A0DF49095}" type="datetimeFigureOut">
               <a:rPr lang="en-GB" smtClean="0"/>
-              <a:t>12/02/2025</a:t>
+              <a:t>13/02/2025</a:t>
             </a:fld>
             <a:endParaRPr lang="en-GB"/>
           </a:p>
@@ -2992,7 +2997,7 @@
           <a:p>
             <a:fld id="{E5C7E854-9911-4868-97CF-E76A0DF49095}" type="datetimeFigureOut">
               <a:rPr lang="en-GB" smtClean="0"/>
-              <a:t>12/02/2025</a:t>
+              <a:t>13/02/2025</a:t>
             </a:fld>
             <a:endParaRPr lang="en-GB"/>
           </a:p>
@@ -3205,7 +3210,7 @@
           <a:p>
             <a:fld id="{E5C7E854-9911-4868-97CF-E76A0DF49095}" type="datetimeFigureOut">
               <a:rPr lang="en-GB" smtClean="0"/>
-              <a:t>12/02/2025</a:t>
+              <a:t>13/02/2025</a:t>
             </a:fld>
             <a:endParaRPr lang="en-GB"/>
           </a:p>
@@ -5934,7 +5939,7 @@
           <a:p>
             <a:r>
               <a:rPr lang="en-GB" dirty="0"/>
-              <a:t>Model schema</a:t>
+              <a:t>Data Model </a:t>
             </a:r>
           </a:p>
           <a:p>
@@ -6246,7 +6251,7 @@
           <a:p>
             <a:r>
               <a:rPr lang="en-GB" sz="2800" b="1" dirty="0"/>
-              <a:t>Model Schema</a:t>
+              <a:t>Data Model </a:t>
             </a:r>
           </a:p>
         </p:txBody>
